--- a/Doc/2.UI/銀行ダウンロード/画面イメージ（銀行ダウンロード）.pptx
+++ b/Doc/2.UI/銀行ダウンロード/画面イメージ（銀行ダウンロード）.pptx
@@ -202,7 +202,7 @@
           <a:p>
             <a:fld id="{412B6505-7C8C-459C-98F8-EFB7D4D9088F}" type="datetimeFigureOut">
               <a:rPr kumimoji="1" lang="ja-JP" altLang="en-US" smtClean="0"/>
-              <a:t>2020/12/24</a:t>
+              <a:t>2021/2/8</a:t>
             </a:fld>
             <a:endParaRPr kumimoji="1" lang="ja-JP" altLang="en-US"/>
           </a:p>
@@ -368,7 +368,7 @@
           <a:p>
             <a:fld id="{2662E978-106B-4743-B577-3CB3BCB8D1B3}" type="datetimeFigureOut">
               <a:rPr kumimoji="1" lang="ja-JP" altLang="en-US" smtClean="0"/>
-              <a:t>2020/12/24</a:t>
+              <a:t>2021/2/8</a:t>
             </a:fld>
             <a:endParaRPr kumimoji="1" lang="ja-JP" altLang="en-US"/>
           </a:p>
@@ -800,7 +800,7 @@
           <a:p>
             <a:fld id="{53056207-1D9F-4767-A8DD-336DD35751C3}" type="datetimeFigureOut">
               <a:rPr kumimoji="1" lang="ja-JP" altLang="en-US" smtClean="0"/>
-              <a:t>2020/12/24</a:t>
+              <a:t>2021/2/8</a:t>
             </a:fld>
             <a:endParaRPr kumimoji="1" lang="ja-JP" altLang="en-US"/>
           </a:p>
@@ -1002,7 +1002,7 @@
           <a:p>
             <a:fld id="{53056207-1D9F-4767-A8DD-336DD35751C3}" type="datetimeFigureOut">
               <a:rPr kumimoji="1" lang="ja-JP" altLang="en-US" smtClean="0"/>
-              <a:t>2020/12/24</a:t>
+              <a:t>2021/2/8</a:t>
             </a:fld>
             <a:endParaRPr kumimoji="1" lang="ja-JP" altLang="en-US"/>
           </a:p>
@@ -1214,7 +1214,7 @@
           <a:p>
             <a:fld id="{53056207-1D9F-4767-A8DD-336DD35751C3}" type="datetimeFigureOut">
               <a:rPr kumimoji="1" lang="ja-JP" altLang="en-US" smtClean="0"/>
-              <a:t>2020/12/24</a:t>
+              <a:t>2021/2/8</a:t>
             </a:fld>
             <a:endParaRPr kumimoji="1" lang="ja-JP" altLang="en-US"/>
           </a:p>
@@ -1416,7 +1416,7 @@
           <a:p>
             <a:fld id="{53056207-1D9F-4767-A8DD-336DD35751C3}" type="datetimeFigureOut">
               <a:rPr kumimoji="1" lang="ja-JP" altLang="en-US" smtClean="0"/>
-              <a:t>2020/12/24</a:t>
+              <a:t>2021/2/8</a:t>
             </a:fld>
             <a:endParaRPr kumimoji="1" lang="ja-JP" altLang="en-US"/>
           </a:p>
@@ -1662,7 +1662,7 @@
           <a:p>
             <a:fld id="{53056207-1D9F-4767-A8DD-336DD35751C3}" type="datetimeFigureOut">
               <a:rPr kumimoji="1" lang="ja-JP" altLang="en-US" smtClean="0"/>
-              <a:t>2020/12/24</a:t>
+              <a:t>2021/2/8</a:t>
             </a:fld>
             <a:endParaRPr kumimoji="1" lang="ja-JP" altLang="en-US"/>
           </a:p>
@@ -1958,7 +1958,7 @@
           <a:p>
             <a:fld id="{53056207-1D9F-4767-A8DD-336DD35751C3}" type="datetimeFigureOut">
               <a:rPr kumimoji="1" lang="ja-JP" altLang="en-US" smtClean="0"/>
-              <a:t>2020/12/24</a:t>
+              <a:t>2021/2/8</a:t>
             </a:fld>
             <a:endParaRPr kumimoji="1" lang="ja-JP" altLang="en-US"/>
           </a:p>
@@ -2389,7 +2389,7 @@
           <a:p>
             <a:fld id="{53056207-1D9F-4767-A8DD-336DD35751C3}" type="datetimeFigureOut">
               <a:rPr kumimoji="1" lang="ja-JP" altLang="en-US" smtClean="0"/>
-              <a:t>2020/12/24</a:t>
+              <a:t>2021/2/8</a:t>
             </a:fld>
             <a:endParaRPr kumimoji="1" lang="ja-JP" altLang="en-US"/>
           </a:p>
@@ -2507,7 +2507,7 @@
           <a:p>
             <a:fld id="{53056207-1D9F-4767-A8DD-336DD35751C3}" type="datetimeFigureOut">
               <a:rPr kumimoji="1" lang="ja-JP" altLang="en-US" smtClean="0"/>
-              <a:t>2020/12/24</a:t>
+              <a:t>2021/2/8</a:t>
             </a:fld>
             <a:endParaRPr kumimoji="1" lang="ja-JP" altLang="en-US"/>
           </a:p>
@@ -2602,7 +2602,7 @@
           <a:p>
             <a:fld id="{53056207-1D9F-4767-A8DD-336DD35751C3}" type="datetimeFigureOut">
               <a:rPr kumimoji="1" lang="ja-JP" altLang="en-US" smtClean="0"/>
-              <a:t>2020/12/24</a:t>
+              <a:t>2021/2/8</a:t>
             </a:fld>
             <a:endParaRPr kumimoji="1" lang="ja-JP" altLang="en-US"/>
           </a:p>
@@ -2911,7 +2911,7 @@
           <a:p>
             <a:fld id="{53056207-1D9F-4767-A8DD-336DD35751C3}" type="datetimeFigureOut">
               <a:rPr kumimoji="1" lang="ja-JP" altLang="en-US" smtClean="0"/>
-              <a:t>2020/12/24</a:t>
+              <a:t>2021/2/8</a:t>
             </a:fld>
             <a:endParaRPr kumimoji="1" lang="ja-JP" altLang="en-US"/>
           </a:p>
@@ -3164,7 +3164,7 @@
           <a:p>
             <a:fld id="{53056207-1D9F-4767-A8DD-336DD35751C3}" type="datetimeFigureOut">
               <a:rPr kumimoji="1" lang="ja-JP" altLang="en-US" smtClean="0"/>
-              <a:t>2020/12/24</a:t>
+              <a:t>2021/2/8</a:t>
             </a:fld>
             <a:endParaRPr kumimoji="1" lang="ja-JP" altLang="en-US"/>
           </a:p>
@@ -3409,7 +3409,7 @@
           <a:p>
             <a:fld id="{53056207-1D9F-4767-A8DD-336DD35751C3}" type="datetimeFigureOut">
               <a:rPr kumimoji="1" lang="ja-JP" altLang="en-US" smtClean="0"/>
-              <a:t>2020/12/24</a:t>
+              <a:t>2021/2/8</a:t>
             </a:fld>
             <a:endParaRPr kumimoji="1" lang="ja-JP" altLang="en-US"/>
           </a:p>
@@ -3877,14 +3877,21 @@
                 <a:latin typeface="Meiryo UI" panose="020B0604030504040204" pitchFamily="50" charset="-128"/>
                 <a:ea typeface="Meiryo UI" panose="020B0604030504040204" pitchFamily="50" charset="-128"/>
               </a:rPr>
-              <a:t>1.</a:t>
+              <a:t>1</a:t>
+            </a:r>
+            <a:r>
+              <a:rPr lang="en-US" altLang="ja-JP" sz="1600" dirty="0" smtClean="0">
+                <a:latin typeface="Meiryo UI" panose="020B0604030504040204" pitchFamily="50" charset="-128"/>
+                <a:ea typeface="Meiryo UI" panose="020B0604030504040204" pitchFamily="50" charset="-128"/>
+              </a:rPr>
+              <a:t>.</a:t>
             </a:r>
             <a:r>
               <a:rPr lang="ja-JP" altLang="en-US" sz="1600" dirty="0" smtClean="0">
                 <a:latin typeface="Meiryo UI" panose="020B0604030504040204" pitchFamily="50" charset="-128"/>
                 <a:ea typeface="Meiryo UI" panose="020B0604030504040204" pitchFamily="50" charset="-128"/>
               </a:rPr>
-              <a:t>メニュー画面</a:t>
+              <a:t>銀行最新情報更新画面</a:t>
             </a:r>
             <a:endParaRPr lang="ja-JP" altLang="en-US" sz="1600" dirty="0">
               <a:latin typeface="Meiryo UI" panose="020B0604030504040204" pitchFamily="50" charset="-128"/>
@@ -4125,7 +4132,7 @@
           <a:p>
             <a:fld id="{E23E62CB-AE02-499E-8DF1-609F7D77B994}" type="datetime1">
               <a:rPr kumimoji="1" lang="ja-JP" altLang="en-US" smtClean="0"/>
-              <a:t>2020/12/24</a:t>
+              <a:t>2021/2/8</a:t>
             </a:fld>
             <a:endParaRPr kumimoji="1" lang="ja-JP" altLang="en-US" dirty="0"/>
           </a:p>
@@ -4897,7 +4904,7 @@
           <a:p>
             <a:fld id="{E23E62CB-AE02-499E-8DF1-609F7D77B994}" type="datetime1">
               <a:rPr kumimoji="1" lang="ja-JP" altLang="en-US" smtClean="0"/>
-              <a:t>2020/12/24</a:t>
+              <a:t>2021/2/8</a:t>
             </a:fld>
             <a:endParaRPr kumimoji="1" lang="ja-JP" altLang="en-US" dirty="0"/>
           </a:p>
@@ -6102,6 +6109,78 @@
           </a:graphicData>
         </a:graphic>
       </p:graphicFrame>
+      <p:sp>
+        <p:nvSpPr>
+          <p:cNvPr id="9" name="正方形/長方形 8"/>
+          <p:cNvSpPr/>
+          <p:nvPr/>
+        </p:nvSpPr>
+        <p:spPr>
+          <a:xfrm>
+            <a:off x="7172499" y="4334251"/>
+            <a:ext cx="1438101" cy="399011"/>
+          </a:xfrm>
+          <a:prstGeom prst="rect">
+            <a:avLst/>
+          </a:prstGeom>
+          <a:noFill/>
+          <a:ln w="19050">
+            <a:solidFill>
+              <a:schemeClr val="tx1"/>
+            </a:solidFill>
+          </a:ln>
+        </p:spPr>
+        <p:style>
+          <a:lnRef idx="2">
+            <a:schemeClr val="accent1">
+              <a:shade val="50000"/>
+            </a:schemeClr>
+          </a:lnRef>
+          <a:fillRef idx="1">
+            <a:schemeClr val="accent1"/>
+          </a:fillRef>
+          <a:effectRef idx="0">
+            <a:schemeClr val="accent1"/>
+          </a:effectRef>
+          <a:fontRef idx="minor">
+            <a:schemeClr val="lt1"/>
+          </a:fontRef>
+        </p:style>
+        <p:txBody>
+          <a:bodyPr rtlCol="0" anchor="ctr"/>
+          <a:lstStyle/>
+          <a:p>
+            <a:pPr algn="ctr"/>
+            <a:r>
+              <a:rPr kumimoji="1" lang="en-US" altLang="ja-JP" dirty="0" smtClean="0">
+                <a:solidFill>
+                  <a:schemeClr val="tx1"/>
+                </a:solidFill>
+                <a:latin typeface="Meiryo UI" panose="020B0604030504040204" pitchFamily="50" charset="-128"/>
+                <a:ea typeface="Meiryo UI" panose="020B0604030504040204" pitchFamily="50" charset="-128"/>
+              </a:rPr>
+              <a:t>Excel</a:t>
+            </a:r>
+            <a:r>
+              <a:rPr kumimoji="1" lang="ja-JP" altLang="en-US" dirty="0" smtClean="0">
+                <a:solidFill>
+                  <a:schemeClr val="tx1"/>
+                </a:solidFill>
+                <a:latin typeface="Meiryo UI" panose="020B0604030504040204" pitchFamily="50" charset="-128"/>
+                <a:ea typeface="Meiryo UI" panose="020B0604030504040204" pitchFamily="50" charset="-128"/>
+              </a:rPr>
+              <a:t>出力</a:t>
+            </a:r>
+            <a:endParaRPr kumimoji="1" lang="ja-JP" altLang="en-US" dirty="0" smtClean="0">
+              <a:solidFill>
+                <a:schemeClr val="tx1"/>
+              </a:solidFill>
+              <a:latin typeface="Meiryo UI" panose="020B0604030504040204" pitchFamily="50" charset="-128"/>
+              <a:ea typeface="Meiryo UI" panose="020B0604030504040204" pitchFamily="50" charset="-128"/>
+            </a:endParaRPr>
+          </a:p>
+        </p:txBody>
+      </p:sp>
     </p:spTree>
     <p:extLst>
       <p:ext uri="{BB962C8B-B14F-4D97-AF65-F5344CB8AC3E}">
@@ -6345,7 +6424,7 @@
           <a:p>
             <a:fld id="{E23E62CB-AE02-499E-8DF1-609F7D77B994}" type="datetime1">
               <a:rPr kumimoji="1" lang="ja-JP" altLang="en-US" smtClean="0"/>
-              <a:t>2020/12/24</a:t>
+              <a:t>2021/2/8</a:t>
             </a:fld>
             <a:endParaRPr kumimoji="1" lang="ja-JP" altLang="en-US" dirty="0"/>
           </a:p>
@@ -7550,6 +7629,78 @@
           </a:graphicData>
         </a:graphic>
       </p:graphicFrame>
+      <p:sp>
+        <p:nvSpPr>
+          <p:cNvPr id="9" name="正方形/長方形 8"/>
+          <p:cNvSpPr/>
+          <p:nvPr/>
+        </p:nvSpPr>
+        <p:spPr>
+          <a:xfrm>
+            <a:off x="7172499" y="4334251"/>
+            <a:ext cx="1438101" cy="399011"/>
+          </a:xfrm>
+          <a:prstGeom prst="rect">
+            <a:avLst/>
+          </a:prstGeom>
+          <a:noFill/>
+          <a:ln w="19050">
+            <a:solidFill>
+              <a:schemeClr val="tx1"/>
+            </a:solidFill>
+          </a:ln>
+        </p:spPr>
+        <p:style>
+          <a:lnRef idx="2">
+            <a:schemeClr val="accent1">
+              <a:shade val="50000"/>
+            </a:schemeClr>
+          </a:lnRef>
+          <a:fillRef idx="1">
+            <a:schemeClr val="accent1"/>
+          </a:fillRef>
+          <a:effectRef idx="0">
+            <a:schemeClr val="accent1"/>
+          </a:effectRef>
+          <a:fontRef idx="minor">
+            <a:schemeClr val="lt1"/>
+          </a:fontRef>
+        </p:style>
+        <p:txBody>
+          <a:bodyPr rtlCol="0" anchor="ctr"/>
+          <a:lstStyle/>
+          <a:p>
+            <a:pPr algn="ctr"/>
+            <a:r>
+              <a:rPr kumimoji="1" lang="en-US" altLang="ja-JP" dirty="0" smtClean="0">
+                <a:solidFill>
+                  <a:schemeClr val="tx1"/>
+                </a:solidFill>
+                <a:latin typeface="Meiryo UI" panose="020B0604030504040204" pitchFamily="50" charset="-128"/>
+                <a:ea typeface="Meiryo UI" panose="020B0604030504040204" pitchFamily="50" charset="-128"/>
+              </a:rPr>
+              <a:t>Excel</a:t>
+            </a:r>
+            <a:r>
+              <a:rPr kumimoji="1" lang="ja-JP" altLang="en-US" dirty="0" smtClean="0">
+                <a:solidFill>
+                  <a:schemeClr val="tx1"/>
+                </a:solidFill>
+                <a:latin typeface="Meiryo UI" panose="020B0604030504040204" pitchFamily="50" charset="-128"/>
+                <a:ea typeface="Meiryo UI" panose="020B0604030504040204" pitchFamily="50" charset="-128"/>
+              </a:rPr>
+              <a:t>出力</a:t>
+            </a:r>
+            <a:endParaRPr kumimoji="1" lang="ja-JP" altLang="en-US" dirty="0" smtClean="0">
+              <a:solidFill>
+                <a:schemeClr val="tx1"/>
+              </a:solidFill>
+              <a:latin typeface="Meiryo UI" panose="020B0604030504040204" pitchFamily="50" charset="-128"/>
+              <a:ea typeface="Meiryo UI" panose="020B0604030504040204" pitchFamily="50" charset="-128"/>
+            </a:endParaRPr>
+          </a:p>
+        </p:txBody>
+      </p:sp>
     </p:spTree>
     <p:extLst>
       <p:ext uri="{BB962C8B-B14F-4D97-AF65-F5344CB8AC3E}">
